--- a/assets/slides/Intro-Library-Website.pptx
+++ b/assets/slides/Intro-Library-Website.pptx
@@ -499,6 +499,67 @@
     </a:lvl9pPr>
   </p:notesStyle>
 </p:notesMaster>
+</file>
+
+<file path=ppt/notesSlides/notesSlide1.xml><?xml version="1.0" encoding="utf-8"?>
+<p:notes xmlns:a="http://schemas.openxmlformats.org/drawingml/2006/main" xmlns:r="http://schemas.openxmlformats.org/officeDocument/2006/relationships" xmlns:p="http://schemas.openxmlformats.org/presentationml/2006/main">
+  <p:cSld>
+    <p:spTree>
+      <p:nvGrpSpPr>
+        <p:cNvPr id="1" name=""/>
+        <p:cNvGrpSpPr/>
+        <p:nvPr/>
+      </p:nvGrpSpPr>
+      <p:grpSpPr>
+        <a:xfrm>
+          <a:off x="0" y="0"/>
+          <a:ext cx="0" cy="0"/>
+          <a:chOff x="0" y="0"/>
+          <a:chExt cx="0" cy="0"/>
+        </a:xfrm>
+      </p:grpSpPr>
+      <p:sp>
+        <p:nvSpPr>
+          <p:cNvPr id="2" name="Slide Image Placeholder 1"/>
+          <p:cNvSpPr>
+            <a:spLocks noGrp="1" noRot="1" noChangeAspect="1"/>
+          </p:cNvSpPr>
+          <p:nvPr>
+            <p:ph type="sldImg"/>
+          </p:nvPr>
+        </p:nvSpPr>
+        <p:spPr/>
+      </p:sp>
+      <p:sp>
+        <p:nvSpPr>
+          <p:cNvPr id="3" name="Notes Placeholder 2"/>
+          <p:cNvSpPr>
+            <a:spLocks noGrp="1"/>
+          </p:cNvSpPr>
+          <p:nvPr>
+            <p:ph type="body" idx="1"/>
+          </p:nvPr>
+        </p:nvSpPr>
+        <p:spPr/>
+        <p:txBody>
+          <a:bodyPr/>
+          <a:lstStyle/>
+          <a:p>
+            <a:endParaRPr lang="en-US" dirty="0"/>
+          </a:p>
+        </p:txBody>
+      </p:sp>
+    </p:spTree>
+    <p:extLst>
+      <p:ext uri="{BB962C8B-B14F-4D97-AF65-F5344CB8AC3E}">
+        <p14:creationId xmlns:p14="http://schemas.microsoft.com/office/powerpoint/2010/main" val="824244935"/>
+      </p:ext>
+    </p:extLst>
+  </p:cSld>
+  <p:clrMapOvr>
+    <a:masterClrMapping/>
+  </p:clrMapOvr>
+</p:notes>
 </file>
 
 <file path=ppt/slideLayouts/slideLayout1.xml><?xml version="1.0" encoding="utf-8"?>
@@ -3445,32 +3506,26 @@
       </p:grpSpPr>
       <p:pic>
         <p:nvPicPr>
-          <p:cNvPr id="323" name="Screen Shot 2016-10-03 at 11.49.05 AM.png" descr="Screen Shot 2016-10-03 at 11.49.05 AM.png"/>
+          <p:cNvPr id="2" name="Picture 1"/>
           <p:cNvPicPr>
             <a:picLocks noChangeAspect="1"/>
           </p:cNvPicPr>
           <p:nvPr/>
         </p:nvPicPr>
         <p:blipFill>
-          <a:blip r:embed="rId2">
-            <a:extLst/>
-          </a:blip>
-          <a:srcRect b="16643"/>
+          <a:blip r:embed="rId3"/>
           <a:stretch>
             <a:fillRect/>
           </a:stretch>
         </p:blipFill>
         <p:spPr>
           <a:xfrm>
-            <a:off x="2443344" y="1202797"/>
-            <a:ext cx="9007603" cy="6898000"/>
+            <a:off x="2229034" y="960085"/>
+            <a:ext cx="8659780" cy="7715383"/>
           </a:xfrm>
           <a:prstGeom prst="rect">
             <a:avLst/>
           </a:prstGeom>
-          <a:ln w="12700">
-            <a:miter lim="400000"/>
-          </a:ln>
         </p:spPr>
       </p:pic>
       <p:grpSp>
@@ -3481,7 +3536,7 @@
         </p:nvGrpSpPr>
         <p:grpSpPr>
           <a:xfrm rot="21515006">
-            <a:off x="9684794" y="293216"/>
+            <a:off x="8996582" y="368889"/>
             <a:ext cx="2584277" cy="774701"/>
             <a:chOff x="0" y="0"/>
             <a:chExt cx="1947367" cy="774700"/>
@@ -3550,7 +3605,7 @@
             <p:nvPr/>
           </p:nvPicPr>
           <p:blipFill>
-            <a:blip r:embed="rId3">
+            <a:blip r:embed="rId4">
               <a:extLst/>
             </a:blip>
             <a:stretch>
@@ -3577,7 +3632,7 @@
         </p:nvGrpSpPr>
         <p:grpSpPr>
           <a:xfrm rot="155084">
-            <a:off x="511678" y="346452"/>
+            <a:off x="347845" y="62996"/>
             <a:ext cx="5159656" cy="1054101"/>
             <a:chOff x="0" y="0"/>
             <a:chExt cx="5159654" cy="1054100"/>
@@ -3664,7 +3719,7 @@
             <p:nvPr/>
           </p:nvPicPr>
           <p:blipFill>
-            <a:blip r:embed="rId4">
+            <a:blip r:embed="rId5">
               <a:extLst/>
             </a:blip>
             <a:stretch>
@@ -3691,8 +3746,8 @@
         </p:nvSpPr>
         <p:spPr>
           <a:xfrm>
-            <a:off x="4649541" y="1231697"/>
-            <a:ext cx="549821" cy="549821"/>
+            <a:off x="4824663" y="968945"/>
+            <a:ext cx="276726" cy="612592"/>
           </a:xfrm>
           <a:prstGeom prst="line">
             <a:avLst/>
@@ -3739,8 +3794,8 @@
         </p:nvSpPr>
         <p:spPr>
           <a:xfrm flipH="1">
-            <a:off x="9448744" y="837033"/>
-            <a:ext cx="1175555" cy="539991"/>
+            <a:off x="8883039" y="879397"/>
+            <a:ext cx="240717" cy="156361"/>
           </a:xfrm>
           <a:prstGeom prst="line">
             <a:avLst/>
@@ -3787,7 +3842,7 @@
         </p:nvGrpSpPr>
         <p:grpSpPr>
           <a:xfrm rot="457608">
-            <a:off x="358865" y="2226733"/>
+            <a:off x="145773" y="1865223"/>
             <a:ext cx="2295412" cy="685801"/>
             <a:chOff x="0" y="0"/>
             <a:chExt cx="2295410" cy="685800"/>
@@ -3856,7 +3911,7 @@
             <p:nvPr/>
           </p:nvPicPr>
           <p:blipFill>
-            <a:blip r:embed="rId5">
+            <a:blip r:embed="rId6">
               <a:extLst/>
             </a:blip>
             <a:stretch>
@@ -3883,8 +3938,8 @@
         </p:nvSpPr>
         <p:spPr>
           <a:xfrm>
-            <a:off x="2506908" y="2725949"/>
-            <a:ext cx="569681" cy="158915"/>
+            <a:off x="2229034" y="2485429"/>
+            <a:ext cx="266051" cy="76421"/>
           </a:xfrm>
           <a:prstGeom prst="line">
             <a:avLst/>
@@ -3931,7 +3986,7 @@
         </p:nvGrpSpPr>
         <p:grpSpPr>
           <a:xfrm rot="457608">
-            <a:off x="80166" y="5310759"/>
+            <a:off x="105215" y="4792911"/>
             <a:ext cx="2455965" cy="977901"/>
             <a:chOff x="0" y="0"/>
             <a:chExt cx="2455964" cy="977900"/>
@@ -4018,7 +4073,7 @@
             <p:nvPr/>
           </p:nvPicPr>
           <p:blipFill>
-            <a:blip r:embed="rId6">
+            <a:blip r:embed="rId7">
               <a:extLst/>
             </a:blip>
             <a:stretch>
@@ -4045,8 +4100,8 @@
         </p:nvSpPr>
         <p:spPr>
           <a:xfrm>
-            <a:off x="2233167" y="6176243"/>
-            <a:ext cx="501749" cy="501749"/>
+            <a:off x="1347538" y="5558589"/>
+            <a:ext cx="1019878" cy="543081"/>
           </a:xfrm>
           <a:prstGeom prst="line">
             <a:avLst/>
@@ -4093,7 +4148,7 @@
         </p:nvGrpSpPr>
         <p:grpSpPr>
           <a:xfrm rot="21480454">
-            <a:off x="7562447" y="6838942"/>
+            <a:off x="8111305" y="6014366"/>
             <a:ext cx="4379900" cy="825501"/>
             <a:chOff x="0" y="0"/>
             <a:chExt cx="4379899" cy="825500"/>
@@ -4162,7 +4217,7 @@
             <p:nvPr/>
           </p:nvPicPr>
           <p:blipFill>
-            <a:blip r:embed="rId7">
+            <a:blip r:embed="rId8">
               <a:extLst/>
             </a:blip>
             <a:stretch>
@@ -4189,8 +4244,8 @@
         </p:nvSpPr>
         <p:spPr>
           <a:xfrm flipH="1">
-            <a:off x="7091674" y="7383192"/>
-            <a:ext cx="501749" cy="501749"/>
+            <a:off x="7375358" y="6447314"/>
+            <a:ext cx="867671" cy="328829"/>
           </a:xfrm>
           <a:prstGeom prst="line">
             <a:avLst/>
@@ -4237,7 +4292,7 @@
         </p:nvSpPr>
         <p:spPr>
           <a:xfrm>
-            <a:off x="2722954" y="8498685"/>
+            <a:off x="2722954" y="9107599"/>
             <a:ext cx="8448256" cy="558801"/>
           </a:xfrm>
           <a:prstGeom prst="rect">
@@ -4272,8 +4327,8 @@
               <a:t>UCLA Library is here to help! </a:t>
             </a:r>
             <a:r>
-              <a:rPr u="sng">
-                <a:hlinkClick r:id="rId8"/>
+              <a:rPr u="sng" dirty="0">
+                <a:hlinkClick r:id="rId9"/>
               </a:rPr>
               <a:t>library.ucla.edu</a:t>
             </a:r>
@@ -4291,6 +4346,13 @@
     <a:masterClrMapping/>
   </p:clrMapOvr>
   <p:transition spd="med"/>
+  <p:timing>
+    <p:tnLst>
+      <p:par>
+        <p:cTn id="1" dur="indefinite" restart="never" nodeType="tmRoot"/>
+      </p:par>
+    </p:tnLst>
+  </p:timing>
 </p:sld>
 </file>
 
